--- a/Prezentáció.pptx
+++ b/Prezentáció.pptx
@@ -255,6 +255,11 @@
       </a:defRPr>
     </a:lvl9pPr>
   </p:defaultTextStyle>
+  <p:extLst>
+    <p:ext uri="{EFAFB233-063F-42B5-8137-9DF3F51BA10A}">
+      <p15:sldGuideLst xmlns:p15="http://schemas.microsoft.com/office/powerpoint/2012/main"/>
+    </p:ext>
+  </p:extLst>
 </p:presentation>
 </file>
 
@@ -11945,7 +11950,7 @@
               <a:buNone/>
             </a:pPr>
             <a:r>
-              <a:rPr lang="hu-HU" dirty="0" smtClean="0"/>
+              <a:rPr lang="hu-HU" dirty="0"/>
               <a:t>RooftopRush</a:t>
             </a:r>
             <a:endParaRPr dirty="0"/>
@@ -12031,7 +12036,7 @@
               <a:buNone/>
             </a:pPr>
             <a:r>
-              <a:rPr lang="hu-HU" dirty="0" smtClean="0"/>
+              <a:rPr lang="hu-HU" dirty="0"/>
               <a:t>Enemy class</a:t>
             </a:r>
             <a:endParaRPr dirty="0"/>
@@ -12073,11 +12078,11 @@
               <a:buNone/>
             </a:pPr>
             <a:r>
-              <a:rPr lang="en" dirty="0" smtClean="0"/>
+              <a:rPr lang="en" dirty="0"/>
               <a:t>0</a:t>
             </a:r>
             <a:r>
-              <a:rPr lang="hu-HU" dirty="0" smtClean="0"/>
+              <a:rPr lang="hu-HU" dirty="0"/>
               <a:t>3</a:t>
             </a:r>
             <a:endParaRPr dirty="0"/>
@@ -12200,7 +12205,7 @@
               <a:buNone/>
             </a:pPr>
             <a:r>
-              <a:rPr lang="hu-HU" dirty="0" smtClean="0"/>
+              <a:rPr lang="hu-HU" dirty="0"/>
               <a:t>Képek</a:t>
             </a:r>
             <a:endParaRPr dirty="0"/>
@@ -12410,7 +12415,7 @@
               <a:buNone/>
             </a:pPr>
             <a:r>
-              <a:rPr lang="hu-HU" dirty="0" smtClean="0"/>
+              <a:rPr lang="hu-HU" dirty="0"/>
               <a:t>Hogyan rakjuk le őket?</a:t>
             </a:r>
             <a:endParaRPr dirty="0"/>
@@ -12617,7 +12622,7 @@
               <a:buNone/>
             </a:pPr>
             <a:r>
-              <a:rPr lang="hu-HU" dirty="0" smtClean="0"/>
+              <a:rPr lang="hu-HU" dirty="0"/>
               <a:t>End screen</a:t>
             </a:r>
             <a:endParaRPr dirty="0"/>
@@ -12659,11 +12664,11 @@
               <a:buNone/>
             </a:pPr>
             <a:r>
-              <a:rPr lang="en" dirty="0" smtClean="0"/>
+              <a:rPr lang="en" dirty="0"/>
               <a:t>0</a:t>
             </a:r>
             <a:r>
-              <a:rPr lang="hu-HU" dirty="0" smtClean="0"/>
+              <a:rPr lang="hu-HU" dirty="0"/>
               <a:t>4</a:t>
             </a:r>
             <a:endParaRPr dirty="0"/>
@@ -12929,10 +12934,9 @@
           <a:lstStyle/>
           <a:p>
             <a:r>
-              <a:rPr lang="hu-HU" dirty="0" smtClean="0"/>
+              <a:rPr lang="hu-HU" dirty="0"/>
               <a:t>Köszönjük a figyelmet!</a:t>
             </a:r>
-            <a:endParaRPr lang="hu-HU" dirty="0"/>
           </a:p>
         </p:txBody>
       </p:sp>
@@ -13211,18 +13215,13 @@
           <a:p>
             <a:pPr marL="0" indent="0" algn="l"/>
             <a:r>
-              <a:rPr lang="hu-HU" sz="2100" dirty="0" smtClean="0">
+              <a:rPr lang="hu-HU" sz="2100" dirty="0">
                 <a:solidFill>
                   <a:schemeClr val="dk2"/>
                 </a:solidFill>
               </a:rPr>
               <a:t>Készítette: Kállai Gábor, Németh Zalán, Bánhidai Mátyás</a:t>
             </a:r>
-            <a:endParaRPr lang="hu-HU" sz="2100" dirty="0">
-              <a:solidFill>
-                <a:schemeClr val="dk2"/>
-              </a:solidFill>
-            </a:endParaRPr>
           </a:p>
         </p:txBody>
       </p:sp>
@@ -13291,7 +13290,7 @@
               <a:buNone/>
             </a:pPr>
             <a:r>
-              <a:rPr lang="hu-HU" dirty="0" smtClean="0"/>
+              <a:rPr lang="hu-HU" dirty="0"/>
               <a:t>Amiről beszélni fogunk:</a:t>
             </a:r>
             <a:endParaRPr dirty="0"/>
@@ -13375,7 +13374,7 @@
               <a:buNone/>
             </a:pPr>
             <a:r>
-              <a:rPr lang="hu-HU" sz="2200" b="1" dirty="0" smtClean="0">
+              <a:rPr lang="hu-HU" sz="2200" b="1" dirty="0">
                 <a:latin typeface="Overpass Mono"/>
                 <a:ea typeface="Overpass Mono"/>
                 <a:cs typeface="Overpass Mono"/>
@@ -13463,7 +13462,7 @@
               <a:buNone/>
             </a:pPr>
             <a:r>
-              <a:rPr lang="hu-HU" sz="2200" b="1" dirty="0" smtClean="0">
+              <a:rPr lang="hu-HU" sz="2200" b="1" dirty="0">
                 <a:latin typeface="Overpass Mono"/>
                 <a:ea typeface="Overpass Mono"/>
                 <a:cs typeface="Overpass Mono"/>
@@ -13551,7 +13550,7 @@
               <a:buNone/>
             </a:pPr>
             <a:r>
-              <a:rPr lang="hu-HU" dirty="0" smtClean="0"/>
+              <a:rPr lang="hu-HU" dirty="0"/>
               <a:t>Enemy class</a:t>
             </a:r>
             <a:endParaRPr dirty="0"/>
@@ -13635,7 +13634,7 @@
               <a:buNone/>
             </a:pPr>
             <a:r>
-              <a:rPr lang="hu-HU" dirty="0" smtClean="0"/>
+              <a:rPr lang="hu-HU" dirty="0"/>
               <a:t>End screen</a:t>
             </a:r>
             <a:endParaRPr dirty="0"/>
@@ -13762,7 +13761,7 @@
               <a:buNone/>
             </a:pPr>
             <a:r>
-              <a:rPr lang="hu-HU" dirty="0" smtClean="0">
+              <a:rPr lang="hu-HU" dirty="0">
                 <a:solidFill>
                   <a:schemeClr val="dk2"/>
                 </a:solidFill>
@@ -13932,7 +13931,7 @@
               <a:buNone/>
             </a:pPr>
             <a:r>
-              <a:rPr lang="hu-HU" dirty="0" smtClean="0"/>
+              <a:rPr lang="hu-HU" dirty="0"/>
               <a:t>Game class</a:t>
             </a:r>
             <a:endParaRPr dirty="0"/>
@@ -14042,7 +14041,7 @@
               <a:buChar char="§"/>
             </a:pPr>
             <a:r>
-              <a:rPr lang="hu-HU" dirty="0" smtClean="0"/>
+              <a:rPr lang="hu-HU" dirty="0"/>
               <a:t>Egyszerű</a:t>
             </a:r>
           </a:p>
@@ -14058,7 +14057,7 @@
               <a:buChar char="§"/>
             </a:pPr>
             <a:r>
-              <a:rPr lang="hu-HU" dirty="0" smtClean="0"/>
+              <a:rPr lang="hu-HU" dirty="0"/>
               <a:t>Csak csak szükséges</a:t>
             </a:r>
           </a:p>
@@ -14074,7 +14073,7 @@
               <a:buChar char="§"/>
             </a:pPr>
             <a:r>
-              <a:rPr lang="hu-HU" dirty="0" smtClean="0"/>
+              <a:rPr lang="hu-HU" dirty="0"/>
               <a:t>Csoportosított</a:t>
             </a:r>
           </a:p>
@@ -14090,10 +14089,9 @@
               <a:buChar char="§"/>
             </a:pPr>
             <a:r>
-              <a:rPr lang="hu-HU" dirty="0" smtClean="0"/>
+              <a:rPr lang="hu-HU" dirty="0"/>
               <a:t>Sorrend</a:t>
             </a:r>
-            <a:endParaRPr lang="hu-HU" dirty="0" smtClean="0"/>
           </a:p>
           <a:p>
             <a:pPr marL="285750" lvl="0" indent="-285750" algn="l" rtl="0">
@@ -14157,7 +14155,7 @@
               <a:buNone/>
             </a:pPr>
             <a:r>
-              <a:rPr lang="hu-HU" dirty="0" smtClean="0"/>
+              <a:rPr lang="hu-HU" dirty="0"/>
               <a:t>Konstruktor</a:t>
             </a:r>
             <a:endParaRPr dirty="0"/>
@@ -14260,7 +14258,7 @@
               <a:buNone/>
             </a:pPr>
             <a:r>
-              <a:rPr lang="hu-HU" dirty="0" smtClean="0"/>
+              <a:rPr lang="hu-HU" dirty="0"/>
               <a:t>Metódusok</a:t>
             </a:r>
             <a:endParaRPr dirty="0"/>
@@ -14425,7 +14423,7 @@
               <a:buNone/>
             </a:pPr>
             <a:r>
-              <a:rPr lang="hu-HU" dirty="0" smtClean="0"/>
+              <a:rPr lang="hu-HU" dirty="0"/>
               <a:t>Player class</a:t>
             </a:r>
             <a:endParaRPr dirty="0"/>
@@ -14467,11 +14465,11 @@
               <a:buNone/>
             </a:pPr>
             <a:r>
-              <a:rPr lang="en" dirty="0" smtClean="0"/>
+              <a:rPr lang="en" dirty="0"/>
               <a:t>0</a:t>
             </a:r>
             <a:r>
-              <a:rPr lang="hu-HU" dirty="0" smtClean="0"/>
+              <a:rPr lang="hu-HU" dirty="0"/>
               <a:t>2</a:t>
             </a:r>
             <a:endParaRPr dirty="0"/>
@@ -14594,7 +14592,7 @@
               <a:buNone/>
             </a:pPr>
             <a:r>
-              <a:rPr lang="hu-HU" dirty="0" smtClean="0"/>
+              <a:rPr lang="hu-HU" dirty="0"/>
               <a:t>Inicializáló rész</a:t>
             </a:r>
             <a:endParaRPr dirty="0"/>
@@ -14743,8 +14741,16 @@
               <a:buNone/>
             </a:pPr>
             <a:r>
-              <a:rPr lang="hu-HU" dirty="0" smtClean="0"/>
-              <a:t>Animáció – „képek pőrgetése”</a:t>
+              <a:rPr lang="hu-HU" dirty="0"/>
+              <a:t>Animáció – „</a:t>
+            </a:r>
+            <a:r>
+              <a:rPr lang="hu-HU"/>
+              <a:t>képek pörgetése</a:t>
+            </a:r>
+            <a:r>
+              <a:rPr lang="hu-HU" dirty="0"/>
+              <a:t>”</a:t>
             </a:r>
             <a:endParaRPr dirty="0"/>
           </a:p>

--- a/Prezentáció.pptx
+++ b/Prezentáció.pptx
@@ -12099,6 +12099,18 @@
   <p:clrMapOvr>
     <a:masterClrMapping/>
   </p:clrMapOvr>
+  <mc:AlternateContent xmlns:mc="http://schemas.openxmlformats.org/markup-compatibility/2006">
+    <mc:Choice xmlns:p14="http://schemas.microsoft.com/office/powerpoint/2010/main" Requires="p14">
+      <p:transition spd="slow" p14:dur="3400">
+        <p14:reveal/>
+      </p:transition>
+    </mc:Choice>
+    <mc:Fallback>
+      <p:transition spd="slow">
+        <p:fade/>
+      </p:transition>
+    </mc:Fallback>
+  </mc:AlternateContent>
 </p:sld>
 </file>
 
@@ -12309,6 +12321,238 @@
   <p:clrMapOvr>
     <a:masterClrMapping/>
   </p:clrMapOvr>
+  <mc:AlternateContent xmlns:mc="http://schemas.openxmlformats.org/markup-compatibility/2006">
+    <mc:Choice xmlns:p14="http://schemas.microsoft.com/office/powerpoint/2010/main" Requires="p14">
+      <p:transition spd="slow" p14:dur="1500">
+        <p:split orient="vert"/>
+      </p:transition>
+    </mc:Choice>
+    <mc:Fallback>
+      <p:transition spd="slow">
+        <p:split orient="vert"/>
+      </p:transition>
+    </mc:Fallback>
+  </mc:AlternateContent>
+  <p:timing>
+    <p:tnLst>
+      <p:par>
+        <p:cTn id="1" dur="indefinite" restart="never" nodeType="tmRoot">
+          <p:childTnLst>
+            <p:seq concurrent="1" nextAc="seek">
+              <p:cTn id="2" dur="indefinite" nodeType="mainSeq">
+                <p:childTnLst>
+                  <p:par>
+                    <p:cTn id="3" fill="hold">
+                      <p:stCondLst>
+                        <p:cond delay="indefinite"/>
+                      </p:stCondLst>
+                      <p:childTnLst>
+                        <p:par>
+                          <p:cTn id="4" fill="hold">
+                            <p:stCondLst>
+                              <p:cond delay="0"/>
+                            </p:stCondLst>
+                            <p:childTnLst>
+                              <p:par>
+                                <p:cTn id="5" presetID="2" presetClass="entr" presetSubtype="4" fill="hold" nodeType="clickEffect">
+                                  <p:stCondLst>
+                                    <p:cond delay="0"/>
+                                  </p:stCondLst>
+                                  <p:childTnLst>
+                                    <p:set>
+                                      <p:cBhvr>
+                                        <p:cTn id="6" dur="1" fill="hold">
+                                          <p:stCondLst>
+                                            <p:cond delay="0"/>
+                                          </p:stCondLst>
+                                        </p:cTn>
+                                        <p:tgtEl>
+                                          <p:spTgt spid="3"/>
+                                        </p:tgtEl>
+                                        <p:attrNameLst>
+                                          <p:attrName>style.visibility</p:attrName>
+                                        </p:attrNameLst>
+                                      </p:cBhvr>
+                                      <p:to>
+                                        <p:strVal val="visible"/>
+                                      </p:to>
+                                    </p:set>
+                                    <p:anim calcmode="lin" valueType="num">
+                                      <p:cBhvr additive="base">
+                                        <p:cTn id="7" dur="500" fill="hold"/>
+                                        <p:tgtEl>
+                                          <p:spTgt spid="3"/>
+                                        </p:tgtEl>
+                                        <p:attrNameLst>
+                                          <p:attrName>ppt_x</p:attrName>
+                                        </p:attrNameLst>
+                                      </p:cBhvr>
+                                      <p:tavLst>
+                                        <p:tav tm="0">
+                                          <p:val>
+                                            <p:strVal val="#ppt_x"/>
+                                          </p:val>
+                                        </p:tav>
+                                        <p:tav tm="100000">
+                                          <p:val>
+                                            <p:strVal val="#ppt_x"/>
+                                          </p:val>
+                                        </p:tav>
+                                      </p:tavLst>
+                                    </p:anim>
+                                    <p:anim calcmode="lin" valueType="num">
+                                      <p:cBhvr additive="base">
+                                        <p:cTn id="8" dur="500" fill="hold"/>
+                                        <p:tgtEl>
+                                          <p:spTgt spid="3"/>
+                                        </p:tgtEl>
+                                        <p:attrNameLst>
+                                          <p:attrName>ppt_y</p:attrName>
+                                        </p:attrNameLst>
+                                      </p:cBhvr>
+                                      <p:tavLst>
+                                        <p:tav tm="0">
+                                          <p:val>
+                                            <p:strVal val="1+#ppt_h/2"/>
+                                          </p:val>
+                                        </p:tav>
+                                        <p:tav tm="100000">
+                                          <p:val>
+                                            <p:strVal val="#ppt_y"/>
+                                          </p:val>
+                                        </p:tav>
+                                      </p:tavLst>
+                                    </p:anim>
+                                  </p:childTnLst>
+                                </p:cTn>
+                              </p:par>
+                            </p:childTnLst>
+                          </p:cTn>
+                        </p:par>
+                      </p:childTnLst>
+                    </p:cTn>
+                  </p:par>
+                  <p:par>
+                    <p:cTn id="9" fill="hold">
+                      <p:stCondLst>
+                        <p:cond delay="indefinite"/>
+                      </p:stCondLst>
+                      <p:childTnLst>
+                        <p:par>
+                          <p:cTn id="10" fill="hold">
+                            <p:stCondLst>
+                              <p:cond delay="0"/>
+                            </p:stCondLst>
+                            <p:childTnLst>
+                              <p:par>
+                                <p:cTn id="11" presetID="53" presetClass="entr" presetSubtype="16" fill="hold" nodeType="clickEffect">
+                                  <p:stCondLst>
+                                    <p:cond delay="0"/>
+                                  </p:stCondLst>
+                                  <p:childTnLst>
+                                    <p:set>
+                                      <p:cBhvr>
+                                        <p:cTn id="12" dur="1" fill="hold">
+                                          <p:stCondLst>
+                                            <p:cond delay="0"/>
+                                          </p:stCondLst>
+                                        </p:cTn>
+                                        <p:tgtEl>
+                                          <p:spTgt spid="5"/>
+                                        </p:tgtEl>
+                                        <p:attrNameLst>
+                                          <p:attrName>style.visibility</p:attrName>
+                                        </p:attrNameLst>
+                                      </p:cBhvr>
+                                      <p:to>
+                                        <p:strVal val="visible"/>
+                                      </p:to>
+                                    </p:set>
+                                    <p:anim calcmode="lin" valueType="num">
+                                      <p:cBhvr>
+                                        <p:cTn id="13" dur="500" fill="hold"/>
+                                        <p:tgtEl>
+                                          <p:spTgt spid="5"/>
+                                        </p:tgtEl>
+                                        <p:attrNameLst>
+                                          <p:attrName>ppt_w</p:attrName>
+                                        </p:attrNameLst>
+                                      </p:cBhvr>
+                                      <p:tavLst>
+                                        <p:tav tm="0">
+                                          <p:val>
+                                            <p:fltVal val="0"/>
+                                          </p:val>
+                                        </p:tav>
+                                        <p:tav tm="100000">
+                                          <p:val>
+                                            <p:strVal val="#ppt_w"/>
+                                          </p:val>
+                                        </p:tav>
+                                      </p:tavLst>
+                                    </p:anim>
+                                    <p:anim calcmode="lin" valueType="num">
+                                      <p:cBhvr>
+                                        <p:cTn id="14" dur="500" fill="hold"/>
+                                        <p:tgtEl>
+                                          <p:spTgt spid="5"/>
+                                        </p:tgtEl>
+                                        <p:attrNameLst>
+                                          <p:attrName>ppt_h</p:attrName>
+                                        </p:attrNameLst>
+                                      </p:cBhvr>
+                                      <p:tavLst>
+                                        <p:tav tm="0">
+                                          <p:val>
+                                            <p:fltVal val="0"/>
+                                          </p:val>
+                                        </p:tav>
+                                        <p:tav tm="100000">
+                                          <p:val>
+                                            <p:strVal val="#ppt_h"/>
+                                          </p:val>
+                                        </p:tav>
+                                      </p:tavLst>
+                                    </p:anim>
+                                    <p:animEffect transition="in" filter="fade">
+                                      <p:cBhvr>
+                                        <p:cTn id="15" dur="500"/>
+                                        <p:tgtEl>
+                                          <p:spTgt spid="5"/>
+                                        </p:tgtEl>
+                                      </p:cBhvr>
+                                    </p:animEffect>
+                                  </p:childTnLst>
+                                </p:cTn>
+                              </p:par>
+                            </p:childTnLst>
+                          </p:cTn>
+                        </p:par>
+                      </p:childTnLst>
+                    </p:cTn>
+                  </p:par>
+                </p:childTnLst>
+              </p:cTn>
+              <p:prevCondLst>
+                <p:cond evt="onPrev" delay="0">
+                  <p:tgtEl>
+                    <p:sldTgt/>
+                  </p:tgtEl>
+                </p:cond>
+              </p:prevCondLst>
+              <p:nextCondLst>
+                <p:cond evt="onNext" delay="0">
+                  <p:tgtEl>
+                    <p:sldTgt/>
+                  </p:tgtEl>
+                </p:cond>
+              </p:nextCondLst>
+            </p:seq>
+          </p:childTnLst>
+        </p:cTn>
+      </p:par>
+    </p:tnLst>
+  </p:timing>
 </p:sld>
 </file>
 
@@ -12567,6 +12811,321 @@
   <p:clrMapOvr>
     <a:masterClrMapping/>
   </p:clrMapOvr>
+  <mc:AlternateContent xmlns:mc="http://schemas.openxmlformats.org/markup-compatibility/2006">
+    <mc:Choice xmlns:p14="http://schemas.microsoft.com/office/powerpoint/2010/main" Requires="p14">
+      <p:transition spd="slow" p14:dur="800">
+        <p:circle/>
+      </p:transition>
+    </mc:Choice>
+    <mc:Fallback>
+      <p:transition spd="slow">
+        <p:circle/>
+      </p:transition>
+    </mc:Fallback>
+  </mc:AlternateContent>
+  <p:timing>
+    <p:tnLst>
+      <p:par>
+        <p:cTn id="1" dur="indefinite" restart="never" nodeType="tmRoot">
+          <p:childTnLst>
+            <p:seq concurrent="1" nextAc="seek">
+              <p:cTn id="2" dur="indefinite" nodeType="mainSeq">
+                <p:childTnLst>
+                  <p:par>
+                    <p:cTn id="3" fill="hold">
+                      <p:stCondLst>
+                        <p:cond delay="indefinite"/>
+                      </p:stCondLst>
+                      <p:childTnLst>
+                        <p:par>
+                          <p:cTn id="4" fill="hold">
+                            <p:stCondLst>
+                              <p:cond delay="0"/>
+                            </p:stCondLst>
+                            <p:childTnLst>
+                              <p:par>
+                                <p:cTn id="5" presetID="2" presetClass="entr" presetSubtype="4" fill="hold" nodeType="clickEffect">
+                                  <p:stCondLst>
+                                    <p:cond delay="0"/>
+                                  </p:stCondLst>
+                                  <p:childTnLst>
+                                    <p:set>
+                                      <p:cBhvr>
+                                        <p:cTn id="6" dur="1" fill="hold">
+                                          <p:stCondLst>
+                                            <p:cond delay="0"/>
+                                          </p:stCondLst>
+                                        </p:cTn>
+                                        <p:tgtEl>
+                                          <p:spTgt spid="2"/>
+                                        </p:tgtEl>
+                                        <p:attrNameLst>
+                                          <p:attrName>style.visibility</p:attrName>
+                                        </p:attrNameLst>
+                                      </p:cBhvr>
+                                      <p:to>
+                                        <p:strVal val="visible"/>
+                                      </p:to>
+                                    </p:set>
+                                    <p:anim calcmode="lin" valueType="num">
+                                      <p:cBhvr additive="base">
+                                        <p:cTn id="7" dur="500" fill="hold"/>
+                                        <p:tgtEl>
+                                          <p:spTgt spid="2"/>
+                                        </p:tgtEl>
+                                        <p:attrNameLst>
+                                          <p:attrName>ppt_x</p:attrName>
+                                        </p:attrNameLst>
+                                      </p:cBhvr>
+                                      <p:tavLst>
+                                        <p:tav tm="0">
+                                          <p:val>
+                                            <p:strVal val="#ppt_x"/>
+                                          </p:val>
+                                        </p:tav>
+                                        <p:tav tm="100000">
+                                          <p:val>
+                                            <p:strVal val="#ppt_x"/>
+                                          </p:val>
+                                        </p:tav>
+                                      </p:tavLst>
+                                    </p:anim>
+                                    <p:anim calcmode="lin" valueType="num">
+                                      <p:cBhvr additive="base">
+                                        <p:cTn id="8" dur="500" fill="hold"/>
+                                        <p:tgtEl>
+                                          <p:spTgt spid="2"/>
+                                        </p:tgtEl>
+                                        <p:attrNameLst>
+                                          <p:attrName>ppt_y</p:attrName>
+                                        </p:attrNameLst>
+                                      </p:cBhvr>
+                                      <p:tavLst>
+                                        <p:tav tm="0">
+                                          <p:val>
+                                            <p:strVal val="1+#ppt_h/2"/>
+                                          </p:val>
+                                        </p:tav>
+                                        <p:tav tm="100000">
+                                          <p:val>
+                                            <p:strVal val="#ppt_y"/>
+                                          </p:val>
+                                        </p:tav>
+                                      </p:tavLst>
+                                    </p:anim>
+                                  </p:childTnLst>
+                                </p:cTn>
+                              </p:par>
+                            </p:childTnLst>
+                          </p:cTn>
+                        </p:par>
+                      </p:childTnLst>
+                    </p:cTn>
+                  </p:par>
+                  <p:par>
+                    <p:cTn id="9" fill="hold">
+                      <p:stCondLst>
+                        <p:cond delay="indefinite"/>
+                      </p:stCondLst>
+                      <p:childTnLst>
+                        <p:par>
+                          <p:cTn id="10" fill="hold">
+                            <p:stCondLst>
+                              <p:cond delay="0"/>
+                            </p:stCondLst>
+                            <p:childTnLst>
+                              <p:par>
+                                <p:cTn id="11" presetID="2" presetClass="entr" presetSubtype="4" fill="hold" nodeType="clickEffect">
+                                  <p:stCondLst>
+                                    <p:cond delay="0"/>
+                                  </p:stCondLst>
+                                  <p:childTnLst>
+                                    <p:set>
+                                      <p:cBhvr>
+                                        <p:cTn id="12" dur="1" fill="hold">
+                                          <p:stCondLst>
+                                            <p:cond delay="0"/>
+                                          </p:stCondLst>
+                                        </p:cTn>
+                                        <p:tgtEl>
+                                          <p:spTgt spid="4"/>
+                                        </p:tgtEl>
+                                        <p:attrNameLst>
+                                          <p:attrName>style.visibility</p:attrName>
+                                        </p:attrNameLst>
+                                      </p:cBhvr>
+                                      <p:to>
+                                        <p:strVal val="visible"/>
+                                      </p:to>
+                                    </p:set>
+                                    <p:anim calcmode="lin" valueType="num">
+                                      <p:cBhvr additive="base">
+                                        <p:cTn id="13" dur="500" fill="hold"/>
+                                        <p:tgtEl>
+                                          <p:spTgt spid="4"/>
+                                        </p:tgtEl>
+                                        <p:attrNameLst>
+                                          <p:attrName>ppt_x</p:attrName>
+                                        </p:attrNameLst>
+                                      </p:cBhvr>
+                                      <p:tavLst>
+                                        <p:tav tm="0">
+                                          <p:val>
+                                            <p:strVal val="#ppt_x"/>
+                                          </p:val>
+                                        </p:tav>
+                                        <p:tav tm="100000">
+                                          <p:val>
+                                            <p:strVal val="#ppt_x"/>
+                                          </p:val>
+                                        </p:tav>
+                                      </p:tavLst>
+                                    </p:anim>
+                                    <p:anim calcmode="lin" valueType="num">
+                                      <p:cBhvr additive="base">
+                                        <p:cTn id="14" dur="500" fill="hold"/>
+                                        <p:tgtEl>
+                                          <p:spTgt spid="4"/>
+                                        </p:tgtEl>
+                                        <p:attrNameLst>
+                                          <p:attrName>ppt_y</p:attrName>
+                                        </p:attrNameLst>
+                                      </p:cBhvr>
+                                      <p:tavLst>
+                                        <p:tav tm="0">
+                                          <p:val>
+                                            <p:strVal val="1+#ppt_h/2"/>
+                                          </p:val>
+                                        </p:tav>
+                                        <p:tav tm="100000">
+                                          <p:val>
+                                            <p:strVal val="#ppt_y"/>
+                                          </p:val>
+                                        </p:tav>
+                                      </p:tavLst>
+                                    </p:anim>
+                                  </p:childTnLst>
+                                </p:cTn>
+                              </p:par>
+                            </p:childTnLst>
+                          </p:cTn>
+                        </p:par>
+                      </p:childTnLst>
+                    </p:cTn>
+                  </p:par>
+                  <p:par>
+                    <p:cTn id="15" fill="hold">
+                      <p:stCondLst>
+                        <p:cond delay="indefinite"/>
+                      </p:stCondLst>
+                      <p:childTnLst>
+                        <p:par>
+                          <p:cTn id="16" fill="hold">
+                            <p:stCondLst>
+                              <p:cond delay="0"/>
+                            </p:stCondLst>
+                            <p:childTnLst>
+                              <p:par>
+                                <p:cTn id="17" presetID="2" presetClass="entr" presetSubtype="4" fill="hold" nodeType="clickEffect">
+                                  <p:stCondLst>
+                                    <p:cond delay="0"/>
+                                  </p:stCondLst>
+                                  <p:childTnLst>
+                                    <p:set>
+                                      <p:cBhvr>
+                                        <p:cTn id="18" dur="1" fill="hold">
+                                          <p:stCondLst>
+                                            <p:cond delay="0"/>
+                                          </p:stCondLst>
+                                        </p:cTn>
+                                        <p:tgtEl>
+                                          <p:spTgt spid="7"/>
+                                        </p:tgtEl>
+                                        <p:attrNameLst>
+                                          <p:attrName>style.visibility</p:attrName>
+                                        </p:attrNameLst>
+                                      </p:cBhvr>
+                                      <p:to>
+                                        <p:strVal val="visible"/>
+                                      </p:to>
+                                    </p:set>
+                                    <p:anim calcmode="lin" valueType="num">
+                                      <p:cBhvr additive="base">
+                                        <p:cTn id="19" dur="500" fill="hold"/>
+                                        <p:tgtEl>
+                                          <p:spTgt spid="7"/>
+                                        </p:tgtEl>
+                                        <p:attrNameLst>
+                                          <p:attrName>ppt_x</p:attrName>
+                                        </p:attrNameLst>
+                                      </p:cBhvr>
+                                      <p:tavLst>
+                                        <p:tav tm="0">
+                                          <p:val>
+                                            <p:strVal val="#ppt_x"/>
+                                          </p:val>
+                                        </p:tav>
+                                        <p:tav tm="100000">
+                                          <p:val>
+                                            <p:strVal val="#ppt_x"/>
+                                          </p:val>
+                                        </p:tav>
+                                      </p:tavLst>
+                                    </p:anim>
+                                    <p:anim calcmode="lin" valueType="num">
+                                      <p:cBhvr additive="base">
+                                        <p:cTn id="20" dur="500" fill="hold"/>
+                                        <p:tgtEl>
+                                          <p:spTgt spid="7"/>
+                                        </p:tgtEl>
+                                        <p:attrNameLst>
+                                          <p:attrName>ppt_y</p:attrName>
+                                        </p:attrNameLst>
+                                      </p:cBhvr>
+                                      <p:tavLst>
+                                        <p:tav tm="0">
+                                          <p:val>
+                                            <p:strVal val="1+#ppt_h/2"/>
+                                          </p:val>
+                                        </p:tav>
+                                        <p:tav tm="100000">
+                                          <p:val>
+                                            <p:strVal val="#ppt_y"/>
+                                          </p:val>
+                                        </p:tav>
+                                      </p:tavLst>
+                                    </p:anim>
+                                  </p:childTnLst>
+                                </p:cTn>
+                              </p:par>
+                            </p:childTnLst>
+                          </p:cTn>
+                        </p:par>
+                      </p:childTnLst>
+                    </p:cTn>
+                  </p:par>
+                </p:childTnLst>
+              </p:cTn>
+              <p:prevCondLst>
+                <p:cond evt="onPrev" delay="0">
+                  <p:tgtEl>
+                    <p:sldTgt/>
+                  </p:tgtEl>
+                </p:cond>
+              </p:prevCondLst>
+              <p:nextCondLst>
+                <p:cond evt="onNext" delay="0">
+                  <p:tgtEl>
+                    <p:sldTgt/>
+                  </p:tgtEl>
+                </p:cond>
+              </p:nextCondLst>
+            </p:seq>
+          </p:childTnLst>
+        </p:cTn>
+      </p:par>
+    </p:tnLst>
+  </p:timing>
 </p:sld>
 </file>
 
@@ -12898,6 +13457,244 @@
   <p:clrMapOvr>
     <a:masterClrMapping/>
   </p:clrMapOvr>
+  <p:transition spd="slow">
+    <p:push dir="u"/>
+  </p:transition>
+  <p:timing>
+    <p:tnLst>
+      <p:par>
+        <p:cTn id="1" dur="indefinite" restart="never" nodeType="tmRoot">
+          <p:childTnLst>
+            <p:seq concurrent="1" nextAc="seek">
+              <p:cTn id="2" dur="indefinite" nodeType="mainSeq">
+                <p:childTnLst>
+                  <p:par>
+                    <p:cTn id="3" fill="hold">
+                      <p:stCondLst>
+                        <p:cond delay="indefinite"/>
+                      </p:stCondLst>
+                      <p:childTnLst>
+                        <p:par>
+                          <p:cTn id="4" fill="hold">
+                            <p:stCondLst>
+                              <p:cond delay="0"/>
+                            </p:stCondLst>
+                            <p:childTnLst>
+                              <p:par>
+                                <p:cTn id="5" presetID="10" presetClass="entr" presetSubtype="0" fill="hold" nodeType="clickEffect">
+                                  <p:stCondLst>
+                                    <p:cond delay="0"/>
+                                  </p:stCondLst>
+                                  <p:childTnLst>
+                                    <p:set>
+                                      <p:cBhvr>
+                                        <p:cTn id="6" dur="1" fill="hold">
+                                          <p:stCondLst>
+                                            <p:cond delay="0"/>
+                                          </p:stCondLst>
+                                        </p:cTn>
+                                        <p:tgtEl>
+                                          <p:spTgt spid="3"/>
+                                        </p:tgtEl>
+                                        <p:attrNameLst>
+                                          <p:attrName>style.visibility</p:attrName>
+                                        </p:attrNameLst>
+                                      </p:cBhvr>
+                                      <p:to>
+                                        <p:strVal val="visible"/>
+                                      </p:to>
+                                    </p:set>
+                                    <p:animEffect transition="in" filter="fade">
+                                      <p:cBhvr>
+                                        <p:cTn id="7" dur="500"/>
+                                        <p:tgtEl>
+                                          <p:spTgt spid="3"/>
+                                        </p:tgtEl>
+                                      </p:cBhvr>
+                                    </p:animEffect>
+                                  </p:childTnLst>
+                                </p:cTn>
+                              </p:par>
+                            </p:childTnLst>
+                          </p:cTn>
+                        </p:par>
+                      </p:childTnLst>
+                    </p:cTn>
+                  </p:par>
+                  <p:par>
+                    <p:cTn id="8" fill="hold">
+                      <p:stCondLst>
+                        <p:cond delay="indefinite"/>
+                      </p:stCondLst>
+                      <p:childTnLst>
+                        <p:par>
+                          <p:cTn id="9" fill="hold">
+                            <p:stCondLst>
+                              <p:cond delay="0"/>
+                            </p:stCondLst>
+                            <p:childTnLst>
+                              <p:par>
+                                <p:cTn id="10" presetID="42" presetClass="entr" presetSubtype="0" fill="hold" nodeType="clickEffect">
+                                  <p:stCondLst>
+                                    <p:cond delay="0"/>
+                                  </p:stCondLst>
+                                  <p:childTnLst>
+                                    <p:set>
+                                      <p:cBhvr>
+                                        <p:cTn id="11" dur="1" fill="hold">
+                                          <p:stCondLst>
+                                            <p:cond delay="0"/>
+                                          </p:stCondLst>
+                                        </p:cTn>
+                                        <p:tgtEl>
+                                          <p:spTgt spid="5"/>
+                                        </p:tgtEl>
+                                        <p:attrNameLst>
+                                          <p:attrName>style.visibility</p:attrName>
+                                        </p:attrNameLst>
+                                      </p:cBhvr>
+                                      <p:to>
+                                        <p:strVal val="visible"/>
+                                      </p:to>
+                                    </p:set>
+                                    <p:animEffect transition="in" filter="fade">
+                                      <p:cBhvr>
+                                        <p:cTn id="12" dur="1000"/>
+                                        <p:tgtEl>
+                                          <p:spTgt spid="5"/>
+                                        </p:tgtEl>
+                                      </p:cBhvr>
+                                    </p:animEffect>
+                                    <p:anim calcmode="lin" valueType="num">
+                                      <p:cBhvr>
+                                        <p:cTn id="13" dur="1000" fill="hold"/>
+                                        <p:tgtEl>
+                                          <p:spTgt spid="5"/>
+                                        </p:tgtEl>
+                                        <p:attrNameLst>
+                                          <p:attrName>ppt_x</p:attrName>
+                                        </p:attrNameLst>
+                                      </p:cBhvr>
+                                      <p:tavLst>
+                                        <p:tav tm="0">
+                                          <p:val>
+                                            <p:strVal val="#ppt_x"/>
+                                          </p:val>
+                                        </p:tav>
+                                        <p:tav tm="100000">
+                                          <p:val>
+                                            <p:strVal val="#ppt_x"/>
+                                          </p:val>
+                                        </p:tav>
+                                      </p:tavLst>
+                                    </p:anim>
+                                    <p:anim calcmode="lin" valueType="num">
+                                      <p:cBhvr>
+                                        <p:cTn id="14" dur="1000" fill="hold"/>
+                                        <p:tgtEl>
+                                          <p:spTgt spid="5"/>
+                                        </p:tgtEl>
+                                        <p:attrNameLst>
+                                          <p:attrName>ppt_y</p:attrName>
+                                        </p:attrNameLst>
+                                      </p:cBhvr>
+                                      <p:tavLst>
+                                        <p:tav tm="0">
+                                          <p:val>
+                                            <p:strVal val="#ppt_y+.1"/>
+                                          </p:val>
+                                        </p:tav>
+                                        <p:tav tm="100000">
+                                          <p:val>
+                                            <p:strVal val="#ppt_y"/>
+                                          </p:val>
+                                        </p:tav>
+                                      </p:tavLst>
+                                    </p:anim>
+                                  </p:childTnLst>
+                                </p:cTn>
+                              </p:par>
+                            </p:childTnLst>
+                          </p:cTn>
+                        </p:par>
+                      </p:childTnLst>
+                    </p:cTn>
+                  </p:par>
+                  <p:par>
+                    <p:cTn id="15" fill="hold">
+                      <p:stCondLst>
+                        <p:cond delay="indefinite"/>
+                      </p:stCondLst>
+                      <p:childTnLst>
+                        <p:par>
+                          <p:cTn id="16" fill="hold">
+                            <p:stCondLst>
+                              <p:cond delay="0"/>
+                            </p:stCondLst>
+                            <p:childTnLst>
+                              <p:par>
+                                <p:cTn id="17" presetID="22" presetClass="entr" presetSubtype="4" fill="hold" nodeType="clickEffect">
+                                  <p:stCondLst>
+                                    <p:cond delay="0"/>
+                                  </p:stCondLst>
+                                  <p:childTnLst>
+                                    <p:set>
+                                      <p:cBhvr>
+                                        <p:cTn id="18" dur="1" fill="hold">
+                                          <p:stCondLst>
+                                            <p:cond delay="0"/>
+                                          </p:stCondLst>
+                                        </p:cTn>
+                                        <p:tgtEl>
+                                          <p:spTgt spid="8"/>
+                                        </p:tgtEl>
+                                        <p:attrNameLst>
+                                          <p:attrName>style.visibility</p:attrName>
+                                        </p:attrNameLst>
+                                      </p:cBhvr>
+                                      <p:to>
+                                        <p:strVal val="visible"/>
+                                      </p:to>
+                                    </p:set>
+                                    <p:animEffect transition="in" filter="wipe(down)">
+                                      <p:cBhvr>
+                                        <p:cTn id="19" dur="500"/>
+                                        <p:tgtEl>
+                                          <p:spTgt spid="8"/>
+                                        </p:tgtEl>
+                                      </p:cBhvr>
+                                    </p:animEffect>
+                                  </p:childTnLst>
+                                </p:cTn>
+                              </p:par>
+                            </p:childTnLst>
+                          </p:cTn>
+                        </p:par>
+                      </p:childTnLst>
+                    </p:cTn>
+                  </p:par>
+                </p:childTnLst>
+              </p:cTn>
+              <p:prevCondLst>
+                <p:cond evt="onPrev" delay="0">
+                  <p:tgtEl>
+                    <p:sldTgt/>
+                  </p:tgtEl>
+                </p:cond>
+              </p:prevCondLst>
+              <p:nextCondLst>
+                <p:cond evt="onNext" delay="0">
+                  <p:tgtEl>
+                    <p:sldTgt/>
+                  </p:tgtEl>
+                </p:cond>
+              </p:nextCondLst>
+            </p:seq>
+          </p:childTnLst>
+        </p:cTn>
+      </p:par>
+    </p:tnLst>
+  </p:timing>
 </p:sld>
 </file>
 
@@ -13235,6 +14032,9 @@
   <p:clrMapOvr>
     <a:masterClrMapping/>
   </p:clrMapOvr>
+  <p:transition spd="slow">
+    <p:push dir="u"/>
+  </p:transition>
 </p:sld>
 </file>
 
@@ -13658,6 +14458,505 @@
   <p:clrMapOvr>
     <a:masterClrMapping/>
   </p:clrMapOvr>
+  <p:transition spd="slow">
+    <p:push dir="u"/>
+  </p:transition>
+  <p:timing>
+    <p:tnLst>
+      <p:par>
+        <p:cTn id="1" dur="indefinite" restart="never" nodeType="tmRoot">
+          <p:childTnLst>
+            <p:seq concurrent="1" nextAc="seek">
+              <p:cTn id="2" dur="indefinite" nodeType="mainSeq">
+                <p:childTnLst>
+                  <p:par>
+                    <p:cTn id="3" fill="hold">
+                      <p:stCondLst>
+                        <p:cond delay="indefinite"/>
+                      </p:stCondLst>
+                      <p:childTnLst>
+                        <p:par>
+                          <p:cTn id="4" fill="hold">
+                            <p:stCondLst>
+                              <p:cond delay="0"/>
+                            </p:stCondLst>
+                            <p:childTnLst>
+                              <p:par>
+                                <p:cTn id="5" presetID="42" presetClass="entr" presetSubtype="0" fill="hold" grpId="0" nodeType="clickEffect">
+                                  <p:stCondLst>
+                                    <p:cond delay="0"/>
+                                  </p:stCondLst>
+                                  <p:childTnLst>
+                                    <p:set>
+                                      <p:cBhvr>
+                                        <p:cTn id="6" dur="1" fill="hold">
+                                          <p:stCondLst>
+                                            <p:cond delay="0"/>
+                                          </p:stCondLst>
+                                        </p:cTn>
+                                        <p:tgtEl>
+                                          <p:spTgt spid="349">
+                                            <p:txEl>
+                                              <p:pRg st="0" end="0"/>
+                                            </p:txEl>
+                                          </p:spTgt>
+                                        </p:tgtEl>
+                                        <p:attrNameLst>
+                                          <p:attrName>style.visibility</p:attrName>
+                                        </p:attrNameLst>
+                                      </p:cBhvr>
+                                      <p:to>
+                                        <p:strVal val="visible"/>
+                                      </p:to>
+                                    </p:set>
+                                    <p:animEffect transition="in" filter="fade">
+                                      <p:cBhvr>
+                                        <p:cTn id="7" dur="1000"/>
+                                        <p:tgtEl>
+                                          <p:spTgt spid="349">
+                                            <p:txEl>
+                                              <p:pRg st="0" end="0"/>
+                                            </p:txEl>
+                                          </p:spTgt>
+                                        </p:tgtEl>
+                                      </p:cBhvr>
+                                    </p:animEffect>
+                                    <p:anim calcmode="lin" valueType="num">
+                                      <p:cBhvr>
+                                        <p:cTn id="8" dur="1000" fill="hold"/>
+                                        <p:tgtEl>
+                                          <p:spTgt spid="349">
+                                            <p:txEl>
+                                              <p:pRg st="0" end="0"/>
+                                            </p:txEl>
+                                          </p:spTgt>
+                                        </p:tgtEl>
+                                        <p:attrNameLst>
+                                          <p:attrName>ppt_x</p:attrName>
+                                        </p:attrNameLst>
+                                      </p:cBhvr>
+                                      <p:tavLst>
+                                        <p:tav tm="0">
+                                          <p:val>
+                                            <p:strVal val="#ppt_x"/>
+                                          </p:val>
+                                        </p:tav>
+                                        <p:tav tm="100000">
+                                          <p:val>
+                                            <p:strVal val="#ppt_x"/>
+                                          </p:val>
+                                        </p:tav>
+                                      </p:tavLst>
+                                    </p:anim>
+                                    <p:anim calcmode="lin" valueType="num">
+                                      <p:cBhvr>
+                                        <p:cTn id="9" dur="1000" fill="hold"/>
+                                        <p:tgtEl>
+                                          <p:spTgt spid="349">
+                                            <p:txEl>
+                                              <p:pRg st="0" end="0"/>
+                                            </p:txEl>
+                                          </p:spTgt>
+                                        </p:tgtEl>
+                                        <p:attrNameLst>
+                                          <p:attrName>ppt_y</p:attrName>
+                                        </p:attrNameLst>
+                                      </p:cBhvr>
+                                      <p:tavLst>
+                                        <p:tav tm="0">
+                                          <p:val>
+                                            <p:strVal val="#ppt_y+.1"/>
+                                          </p:val>
+                                        </p:tav>
+                                        <p:tav tm="100000">
+                                          <p:val>
+                                            <p:strVal val="#ppt_y"/>
+                                          </p:val>
+                                        </p:tav>
+                                      </p:tavLst>
+                                    </p:anim>
+                                  </p:childTnLst>
+                                </p:cTn>
+                              </p:par>
+                            </p:childTnLst>
+                          </p:cTn>
+                        </p:par>
+                      </p:childTnLst>
+                    </p:cTn>
+                  </p:par>
+                  <p:par>
+                    <p:cTn id="10" fill="hold">
+                      <p:stCondLst>
+                        <p:cond delay="indefinite"/>
+                      </p:stCondLst>
+                      <p:childTnLst>
+                        <p:par>
+                          <p:cTn id="11" fill="hold">
+                            <p:stCondLst>
+                              <p:cond delay="0"/>
+                            </p:stCondLst>
+                            <p:childTnLst>
+                              <p:par>
+                                <p:cTn id="12" presetID="42" presetClass="entr" presetSubtype="0" fill="hold" grpId="0" nodeType="clickEffect">
+                                  <p:stCondLst>
+                                    <p:cond delay="0"/>
+                                  </p:stCondLst>
+                                  <p:childTnLst>
+                                    <p:set>
+                                      <p:cBhvr>
+                                        <p:cTn id="13" dur="1" fill="hold">
+                                          <p:stCondLst>
+                                            <p:cond delay="0"/>
+                                          </p:stCondLst>
+                                        </p:cTn>
+                                        <p:tgtEl>
+                                          <p:spTgt spid="351">
+                                            <p:txEl>
+                                              <p:pRg st="0" end="0"/>
+                                            </p:txEl>
+                                          </p:spTgt>
+                                        </p:tgtEl>
+                                        <p:attrNameLst>
+                                          <p:attrName>style.visibility</p:attrName>
+                                        </p:attrNameLst>
+                                      </p:cBhvr>
+                                      <p:to>
+                                        <p:strVal val="visible"/>
+                                      </p:to>
+                                    </p:set>
+                                    <p:animEffect transition="in" filter="fade">
+                                      <p:cBhvr>
+                                        <p:cTn id="14" dur="1000"/>
+                                        <p:tgtEl>
+                                          <p:spTgt spid="351">
+                                            <p:txEl>
+                                              <p:pRg st="0" end="0"/>
+                                            </p:txEl>
+                                          </p:spTgt>
+                                        </p:tgtEl>
+                                      </p:cBhvr>
+                                    </p:animEffect>
+                                    <p:anim calcmode="lin" valueType="num">
+                                      <p:cBhvr>
+                                        <p:cTn id="15" dur="1000" fill="hold"/>
+                                        <p:tgtEl>
+                                          <p:spTgt spid="351">
+                                            <p:txEl>
+                                              <p:pRg st="0" end="0"/>
+                                            </p:txEl>
+                                          </p:spTgt>
+                                        </p:tgtEl>
+                                        <p:attrNameLst>
+                                          <p:attrName>ppt_x</p:attrName>
+                                        </p:attrNameLst>
+                                      </p:cBhvr>
+                                      <p:tavLst>
+                                        <p:tav tm="0">
+                                          <p:val>
+                                            <p:strVal val="#ppt_x"/>
+                                          </p:val>
+                                        </p:tav>
+                                        <p:tav tm="100000">
+                                          <p:val>
+                                            <p:strVal val="#ppt_x"/>
+                                          </p:val>
+                                        </p:tav>
+                                      </p:tavLst>
+                                    </p:anim>
+                                    <p:anim calcmode="lin" valueType="num">
+                                      <p:cBhvr>
+                                        <p:cTn id="16" dur="1000" fill="hold"/>
+                                        <p:tgtEl>
+                                          <p:spTgt spid="351">
+                                            <p:txEl>
+                                              <p:pRg st="0" end="0"/>
+                                            </p:txEl>
+                                          </p:spTgt>
+                                        </p:tgtEl>
+                                        <p:attrNameLst>
+                                          <p:attrName>ppt_y</p:attrName>
+                                        </p:attrNameLst>
+                                      </p:cBhvr>
+                                      <p:tavLst>
+                                        <p:tav tm="0">
+                                          <p:val>
+                                            <p:strVal val="#ppt_y+.1"/>
+                                          </p:val>
+                                        </p:tav>
+                                        <p:tav tm="100000">
+                                          <p:val>
+                                            <p:strVal val="#ppt_y"/>
+                                          </p:val>
+                                        </p:tav>
+                                      </p:tavLst>
+                                    </p:anim>
+                                  </p:childTnLst>
+                                </p:cTn>
+                              </p:par>
+                            </p:childTnLst>
+                          </p:cTn>
+                        </p:par>
+                      </p:childTnLst>
+                    </p:cTn>
+                  </p:par>
+                  <p:par>
+                    <p:cTn id="17" fill="hold">
+                      <p:stCondLst>
+                        <p:cond delay="indefinite"/>
+                      </p:stCondLst>
+                      <p:childTnLst>
+                        <p:par>
+                          <p:cTn id="18" fill="hold">
+                            <p:stCondLst>
+                              <p:cond delay="0"/>
+                            </p:stCondLst>
+                            <p:childTnLst>
+                              <p:par>
+                                <p:cTn id="19" presetID="42" presetClass="entr" presetSubtype="0" fill="hold" grpId="0" nodeType="clickEffect">
+                                  <p:stCondLst>
+                                    <p:cond delay="0"/>
+                                  </p:stCondLst>
+                                  <p:childTnLst>
+                                    <p:set>
+                                      <p:cBhvr>
+                                        <p:cTn id="20" dur="1" fill="hold">
+                                          <p:stCondLst>
+                                            <p:cond delay="0"/>
+                                          </p:stCondLst>
+                                        </p:cTn>
+                                        <p:tgtEl>
+                                          <p:spTgt spid="353">
+                                            <p:txEl>
+                                              <p:pRg st="0" end="0"/>
+                                            </p:txEl>
+                                          </p:spTgt>
+                                        </p:tgtEl>
+                                        <p:attrNameLst>
+                                          <p:attrName>style.visibility</p:attrName>
+                                        </p:attrNameLst>
+                                      </p:cBhvr>
+                                      <p:to>
+                                        <p:strVal val="visible"/>
+                                      </p:to>
+                                    </p:set>
+                                    <p:animEffect transition="in" filter="fade">
+                                      <p:cBhvr>
+                                        <p:cTn id="21" dur="1000"/>
+                                        <p:tgtEl>
+                                          <p:spTgt spid="353">
+                                            <p:txEl>
+                                              <p:pRg st="0" end="0"/>
+                                            </p:txEl>
+                                          </p:spTgt>
+                                        </p:tgtEl>
+                                      </p:cBhvr>
+                                    </p:animEffect>
+                                    <p:anim calcmode="lin" valueType="num">
+                                      <p:cBhvr>
+                                        <p:cTn id="22" dur="1000" fill="hold"/>
+                                        <p:tgtEl>
+                                          <p:spTgt spid="353">
+                                            <p:txEl>
+                                              <p:pRg st="0" end="0"/>
+                                            </p:txEl>
+                                          </p:spTgt>
+                                        </p:tgtEl>
+                                        <p:attrNameLst>
+                                          <p:attrName>ppt_x</p:attrName>
+                                        </p:attrNameLst>
+                                      </p:cBhvr>
+                                      <p:tavLst>
+                                        <p:tav tm="0">
+                                          <p:val>
+                                            <p:strVal val="#ppt_x"/>
+                                          </p:val>
+                                        </p:tav>
+                                        <p:tav tm="100000">
+                                          <p:val>
+                                            <p:strVal val="#ppt_x"/>
+                                          </p:val>
+                                        </p:tav>
+                                      </p:tavLst>
+                                    </p:anim>
+                                    <p:anim calcmode="lin" valueType="num">
+                                      <p:cBhvr>
+                                        <p:cTn id="23" dur="1000" fill="hold"/>
+                                        <p:tgtEl>
+                                          <p:spTgt spid="353">
+                                            <p:txEl>
+                                              <p:pRg st="0" end="0"/>
+                                            </p:txEl>
+                                          </p:spTgt>
+                                        </p:tgtEl>
+                                        <p:attrNameLst>
+                                          <p:attrName>ppt_y</p:attrName>
+                                        </p:attrNameLst>
+                                      </p:cBhvr>
+                                      <p:tavLst>
+                                        <p:tav tm="0">
+                                          <p:val>
+                                            <p:strVal val="#ppt_y+.1"/>
+                                          </p:val>
+                                        </p:tav>
+                                        <p:tav tm="100000">
+                                          <p:val>
+                                            <p:strVal val="#ppt_y"/>
+                                          </p:val>
+                                        </p:tav>
+                                      </p:tavLst>
+                                    </p:anim>
+                                  </p:childTnLst>
+                                </p:cTn>
+                              </p:par>
+                            </p:childTnLst>
+                          </p:cTn>
+                        </p:par>
+                      </p:childTnLst>
+                    </p:cTn>
+                  </p:par>
+                  <p:par>
+                    <p:cTn id="24" fill="hold">
+                      <p:stCondLst>
+                        <p:cond delay="indefinite"/>
+                      </p:stCondLst>
+                      <p:childTnLst>
+                        <p:par>
+                          <p:cTn id="25" fill="hold">
+                            <p:stCondLst>
+                              <p:cond delay="0"/>
+                            </p:stCondLst>
+                            <p:childTnLst>
+                              <p:par>
+                                <p:cTn id="26" presetID="42" presetClass="entr" presetSubtype="0" fill="hold" grpId="0" nodeType="clickEffect">
+                                  <p:stCondLst>
+                                    <p:cond delay="0"/>
+                                  </p:stCondLst>
+                                  <p:childTnLst>
+                                    <p:set>
+                                      <p:cBhvr>
+                                        <p:cTn id="27" dur="1" fill="hold">
+                                          <p:stCondLst>
+                                            <p:cond delay="0"/>
+                                          </p:stCondLst>
+                                        </p:cTn>
+                                        <p:tgtEl>
+                                          <p:spTgt spid="355">
+                                            <p:txEl>
+                                              <p:pRg st="0" end="0"/>
+                                            </p:txEl>
+                                          </p:spTgt>
+                                        </p:tgtEl>
+                                        <p:attrNameLst>
+                                          <p:attrName>style.visibility</p:attrName>
+                                        </p:attrNameLst>
+                                      </p:cBhvr>
+                                      <p:to>
+                                        <p:strVal val="visible"/>
+                                      </p:to>
+                                    </p:set>
+                                    <p:animEffect transition="in" filter="fade">
+                                      <p:cBhvr>
+                                        <p:cTn id="28" dur="1000"/>
+                                        <p:tgtEl>
+                                          <p:spTgt spid="355">
+                                            <p:txEl>
+                                              <p:pRg st="0" end="0"/>
+                                            </p:txEl>
+                                          </p:spTgt>
+                                        </p:tgtEl>
+                                      </p:cBhvr>
+                                    </p:animEffect>
+                                    <p:anim calcmode="lin" valueType="num">
+                                      <p:cBhvr>
+                                        <p:cTn id="29" dur="1000" fill="hold"/>
+                                        <p:tgtEl>
+                                          <p:spTgt spid="355">
+                                            <p:txEl>
+                                              <p:pRg st="0" end="0"/>
+                                            </p:txEl>
+                                          </p:spTgt>
+                                        </p:tgtEl>
+                                        <p:attrNameLst>
+                                          <p:attrName>ppt_x</p:attrName>
+                                        </p:attrNameLst>
+                                      </p:cBhvr>
+                                      <p:tavLst>
+                                        <p:tav tm="0">
+                                          <p:val>
+                                            <p:strVal val="#ppt_x"/>
+                                          </p:val>
+                                        </p:tav>
+                                        <p:tav tm="100000">
+                                          <p:val>
+                                            <p:strVal val="#ppt_x"/>
+                                          </p:val>
+                                        </p:tav>
+                                      </p:tavLst>
+                                    </p:anim>
+                                    <p:anim calcmode="lin" valueType="num">
+                                      <p:cBhvr>
+                                        <p:cTn id="30" dur="1000" fill="hold"/>
+                                        <p:tgtEl>
+                                          <p:spTgt spid="355">
+                                            <p:txEl>
+                                              <p:pRg st="0" end="0"/>
+                                            </p:txEl>
+                                          </p:spTgt>
+                                        </p:tgtEl>
+                                        <p:attrNameLst>
+                                          <p:attrName>ppt_y</p:attrName>
+                                        </p:attrNameLst>
+                                      </p:cBhvr>
+                                      <p:tavLst>
+                                        <p:tav tm="0">
+                                          <p:val>
+                                            <p:strVal val="#ppt_y+.1"/>
+                                          </p:val>
+                                        </p:tav>
+                                        <p:tav tm="100000">
+                                          <p:val>
+                                            <p:strVal val="#ppt_y"/>
+                                          </p:val>
+                                        </p:tav>
+                                      </p:tavLst>
+                                    </p:anim>
+                                  </p:childTnLst>
+                                </p:cTn>
+                              </p:par>
+                            </p:childTnLst>
+                          </p:cTn>
+                        </p:par>
+                      </p:childTnLst>
+                    </p:cTn>
+                  </p:par>
+                </p:childTnLst>
+              </p:cTn>
+              <p:prevCondLst>
+                <p:cond evt="onPrev" delay="0">
+                  <p:tgtEl>
+                    <p:sldTgt/>
+                  </p:tgtEl>
+                </p:cond>
+              </p:prevCondLst>
+              <p:nextCondLst>
+                <p:cond evt="onNext" delay="0">
+                  <p:tgtEl>
+                    <p:sldTgt/>
+                  </p:tgtEl>
+                </p:cond>
+              </p:nextCondLst>
+            </p:seq>
+          </p:childTnLst>
+        </p:cTn>
+      </p:par>
+    </p:tnLst>
+    <p:bldLst>
+      <p:bldP spid="349" grpId="0" build="p"/>
+      <p:bldP spid="351" grpId="0" build="p"/>
+      <p:bldP spid="353" grpId="0" build="p"/>
+      <p:bldP spid="355" grpId="0" build="p"/>
+    </p:bldLst>
+  </p:timing>
 </p:sld>
 </file>
 
@@ -13876,6 +15175,145 @@
   <p:clrMapOvr>
     <a:masterClrMapping/>
   </p:clrMapOvr>
+  <p:transition spd="slow">
+    <p:wipe/>
+  </p:transition>
+  <p:timing>
+    <p:tnLst>
+      <p:par>
+        <p:cTn id="1" dur="indefinite" restart="never" nodeType="tmRoot">
+          <p:childTnLst>
+            <p:seq concurrent="1" nextAc="seek">
+              <p:cTn id="2" dur="indefinite" nodeType="mainSeq">
+                <p:childTnLst>
+                  <p:par>
+                    <p:cTn id="3" fill="hold">
+                      <p:stCondLst>
+                        <p:cond delay="indefinite"/>
+                      </p:stCondLst>
+                      <p:childTnLst>
+                        <p:par>
+                          <p:cTn id="4" fill="hold">
+                            <p:stCondLst>
+                              <p:cond delay="0"/>
+                            </p:stCondLst>
+                            <p:childTnLst>
+                              <p:par>
+                                <p:cTn id="5" presetID="16" presetClass="entr" presetSubtype="21" fill="hold" nodeType="clickEffect">
+                                  <p:stCondLst>
+                                    <p:cond delay="0"/>
+                                  </p:stCondLst>
+                                  <p:childTnLst>
+                                    <p:set>
+                                      <p:cBhvr>
+                                        <p:cTn id="6" dur="1" fill="hold">
+                                          <p:stCondLst>
+                                            <p:cond delay="0"/>
+                                          </p:stCondLst>
+                                        </p:cTn>
+                                        <p:tgtEl>
+                                          <p:spTgt spid="2"/>
+                                        </p:tgtEl>
+                                        <p:attrNameLst>
+                                          <p:attrName>style.visibility</p:attrName>
+                                        </p:attrNameLst>
+                                      </p:cBhvr>
+                                      <p:to>
+                                        <p:strVal val="visible"/>
+                                      </p:to>
+                                    </p:set>
+                                    <p:animEffect transition="in" filter="barn(inVertical)">
+                                      <p:cBhvr>
+                                        <p:cTn id="7" dur="500"/>
+                                        <p:tgtEl>
+                                          <p:spTgt spid="2"/>
+                                        </p:tgtEl>
+                                      </p:cBhvr>
+                                    </p:animEffect>
+                                  </p:childTnLst>
+                                </p:cTn>
+                              </p:par>
+                            </p:childTnLst>
+                          </p:cTn>
+                        </p:par>
+                      </p:childTnLst>
+                    </p:cTn>
+                  </p:par>
+                  <p:par>
+                    <p:cTn id="8" fill="hold">
+                      <p:stCondLst>
+                        <p:cond delay="indefinite"/>
+                      </p:stCondLst>
+                      <p:childTnLst>
+                        <p:par>
+                          <p:cTn id="9" fill="hold">
+                            <p:stCondLst>
+                              <p:cond delay="0"/>
+                            </p:stCondLst>
+                            <p:childTnLst>
+                              <p:par>
+                                <p:cTn id="10" presetID="22" presetClass="entr" presetSubtype="4" fill="hold" nodeType="clickEffect">
+                                  <p:stCondLst>
+                                    <p:cond delay="0"/>
+                                  </p:stCondLst>
+                                  <p:childTnLst>
+                                    <p:set>
+                                      <p:cBhvr>
+                                        <p:cTn id="11" dur="1" fill="hold">
+                                          <p:stCondLst>
+                                            <p:cond delay="0"/>
+                                          </p:stCondLst>
+                                        </p:cTn>
+                                        <p:tgtEl>
+                                          <p:spTgt spid="1026"/>
+                                        </p:tgtEl>
+                                        <p:attrNameLst>
+                                          <p:attrName>style.visibility</p:attrName>
+                                        </p:attrNameLst>
+                                      </p:cBhvr>
+                                      <p:to>
+                                        <p:strVal val="visible"/>
+                                      </p:to>
+                                    </p:set>
+                                    <p:animEffect transition="in" filter="wipe(down)">
+                                      <p:cBhvr>
+                                        <p:cTn id="12" dur="500"/>
+                                        <p:tgtEl>
+                                          <p:spTgt spid="1026"/>
+                                        </p:tgtEl>
+                                      </p:cBhvr>
+                                    </p:animEffect>
+                                  </p:childTnLst>
+                                </p:cTn>
+                              </p:par>
+                            </p:childTnLst>
+                          </p:cTn>
+                        </p:par>
+                      </p:childTnLst>
+                    </p:cTn>
+                  </p:par>
+                </p:childTnLst>
+              </p:cTn>
+              <p:prevCondLst>
+                <p:cond evt="onPrev" delay="0">
+                  <p:tgtEl>
+                    <p:sldTgt/>
+                  </p:tgtEl>
+                </p:cond>
+              </p:prevCondLst>
+              <p:nextCondLst>
+                <p:cond evt="onNext" delay="0">
+                  <p:tgtEl>
+                    <p:sldTgt/>
+                  </p:tgtEl>
+                </p:cond>
+              </p:nextCondLst>
+            </p:seq>
+          </p:childTnLst>
+        </p:cTn>
+      </p:par>
+    </p:tnLst>
+  </p:timing>
 </p:sld>
 </file>
 
@@ -13985,6 +15423,9 @@
   <p:clrMapOvr>
     <a:masterClrMapping/>
   </p:clrMapOvr>
+  <p:transition spd="med">
+    <p:pull/>
+  </p:transition>
 </p:sld>
 </file>
 
@@ -14203,6 +15644,339 @@
   <p:clrMapOvr>
     <a:masterClrMapping/>
   </p:clrMapOvr>
+  <p:transition spd="slow">
+    <p:cover/>
+  </p:transition>
+  <p:timing>
+    <p:tnLst>
+      <p:par>
+        <p:cTn id="1" dur="indefinite" restart="never" nodeType="tmRoot">
+          <p:childTnLst>
+            <p:seq concurrent="1" nextAc="seek">
+              <p:cTn id="2" dur="indefinite" nodeType="mainSeq">
+                <p:childTnLst>
+                  <p:par>
+                    <p:cTn id="3" fill="hold">
+                      <p:stCondLst>
+                        <p:cond delay="indefinite"/>
+                      </p:stCondLst>
+                      <p:childTnLst>
+                        <p:par>
+                          <p:cTn id="4" fill="hold">
+                            <p:stCondLst>
+                              <p:cond delay="0"/>
+                            </p:stCondLst>
+                            <p:childTnLst>
+                              <p:par>
+                                <p:cTn id="5" presetID="22" presetClass="entr" presetSubtype="4" fill="hold" nodeType="clickEffect">
+                                  <p:stCondLst>
+                                    <p:cond delay="0"/>
+                                  </p:stCondLst>
+                                  <p:childTnLst>
+                                    <p:set>
+                                      <p:cBhvr>
+                                        <p:cTn id="6" dur="1" fill="hold">
+                                          <p:stCondLst>
+                                            <p:cond delay="0"/>
+                                          </p:stCondLst>
+                                        </p:cTn>
+                                        <p:tgtEl>
+                                          <p:spTgt spid="2"/>
+                                        </p:tgtEl>
+                                        <p:attrNameLst>
+                                          <p:attrName>style.visibility</p:attrName>
+                                        </p:attrNameLst>
+                                      </p:cBhvr>
+                                      <p:to>
+                                        <p:strVal val="visible"/>
+                                      </p:to>
+                                    </p:set>
+                                    <p:animEffect transition="in" filter="wipe(down)">
+                                      <p:cBhvr>
+                                        <p:cTn id="7" dur="500"/>
+                                        <p:tgtEl>
+                                          <p:spTgt spid="2"/>
+                                        </p:tgtEl>
+                                      </p:cBhvr>
+                                    </p:animEffect>
+                                  </p:childTnLst>
+                                </p:cTn>
+                              </p:par>
+                            </p:childTnLst>
+                          </p:cTn>
+                        </p:par>
+                      </p:childTnLst>
+                    </p:cTn>
+                  </p:par>
+                  <p:par>
+                    <p:cTn id="8" fill="hold">
+                      <p:stCondLst>
+                        <p:cond delay="indefinite"/>
+                      </p:stCondLst>
+                      <p:childTnLst>
+                        <p:par>
+                          <p:cTn id="9" fill="hold">
+                            <p:stCondLst>
+                              <p:cond delay="0"/>
+                            </p:stCondLst>
+                            <p:childTnLst>
+                              <p:par>
+                                <p:cTn id="10" presetID="14" presetClass="entr" presetSubtype="10" fill="hold" grpId="0" nodeType="clickEffect">
+                                  <p:stCondLst>
+                                    <p:cond delay="0"/>
+                                  </p:stCondLst>
+                                  <p:childTnLst>
+                                    <p:set>
+                                      <p:cBhvr>
+                                        <p:cTn id="11" dur="1" fill="hold">
+                                          <p:stCondLst>
+                                            <p:cond delay="0"/>
+                                          </p:stCondLst>
+                                        </p:cTn>
+                                        <p:tgtEl>
+                                          <p:spTgt spid="531">
+                                            <p:txEl>
+                                              <p:pRg st="0" end="0"/>
+                                            </p:txEl>
+                                          </p:spTgt>
+                                        </p:tgtEl>
+                                        <p:attrNameLst>
+                                          <p:attrName>style.visibility</p:attrName>
+                                        </p:attrNameLst>
+                                      </p:cBhvr>
+                                      <p:to>
+                                        <p:strVal val="visible"/>
+                                      </p:to>
+                                    </p:set>
+                                    <p:animEffect transition="in" filter="randombar(horizontal)">
+                                      <p:cBhvr>
+                                        <p:cTn id="12" dur="500"/>
+                                        <p:tgtEl>
+                                          <p:spTgt spid="531">
+                                            <p:txEl>
+                                              <p:pRg st="0" end="0"/>
+                                            </p:txEl>
+                                          </p:spTgt>
+                                        </p:tgtEl>
+                                      </p:cBhvr>
+                                    </p:animEffect>
+                                  </p:childTnLst>
+                                </p:cTn>
+                              </p:par>
+                            </p:childTnLst>
+                          </p:cTn>
+                        </p:par>
+                      </p:childTnLst>
+                    </p:cTn>
+                  </p:par>
+                  <p:par>
+                    <p:cTn id="13" fill="hold">
+                      <p:stCondLst>
+                        <p:cond delay="indefinite"/>
+                      </p:stCondLst>
+                      <p:childTnLst>
+                        <p:par>
+                          <p:cTn id="14" fill="hold">
+                            <p:stCondLst>
+                              <p:cond delay="0"/>
+                            </p:stCondLst>
+                            <p:childTnLst>
+                              <p:par>
+                                <p:cTn id="15" presetID="14" presetClass="entr" presetSubtype="10" fill="hold" grpId="0" nodeType="clickEffect">
+                                  <p:stCondLst>
+                                    <p:cond delay="0"/>
+                                  </p:stCondLst>
+                                  <p:childTnLst>
+                                    <p:set>
+                                      <p:cBhvr>
+                                        <p:cTn id="16" dur="1" fill="hold">
+                                          <p:stCondLst>
+                                            <p:cond delay="0"/>
+                                          </p:stCondLst>
+                                        </p:cTn>
+                                        <p:tgtEl>
+                                          <p:spTgt spid="531">
+                                            <p:txEl>
+                                              <p:pRg st="1" end="1"/>
+                                            </p:txEl>
+                                          </p:spTgt>
+                                        </p:tgtEl>
+                                        <p:attrNameLst>
+                                          <p:attrName>style.visibility</p:attrName>
+                                        </p:attrNameLst>
+                                      </p:cBhvr>
+                                      <p:to>
+                                        <p:strVal val="visible"/>
+                                      </p:to>
+                                    </p:set>
+                                    <p:animEffect transition="in" filter="randombar(horizontal)">
+                                      <p:cBhvr>
+                                        <p:cTn id="17" dur="500"/>
+                                        <p:tgtEl>
+                                          <p:spTgt spid="531">
+                                            <p:txEl>
+                                              <p:pRg st="1" end="1"/>
+                                            </p:txEl>
+                                          </p:spTgt>
+                                        </p:tgtEl>
+                                      </p:cBhvr>
+                                    </p:animEffect>
+                                  </p:childTnLst>
+                                </p:cTn>
+                              </p:par>
+                            </p:childTnLst>
+                          </p:cTn>
+                        </p:par>
+                      </p:childTnLst>
+                    </p:cTn>
+                  </p:par>
+                  <p:par>
+                    <p:cTn id="18" fill="hold">
+                      <p:stCondLst>
+                        <p:cond delay="indefinite"/>
+                      </p:stCondLst>
+                      <p:childTnLst>
+                        <p:par>
+                          <p:cTn id="19" fill="hold">
+                            <p:stCondLst>
+                              <p:cond delay="0"/>
+                            </p:stCondLst>
+                            <p:childTnLst>
+                              <p:par>
+                                <p:cTn id="20" presetID="14" presetClass="entr" presetSubtype="10" fill="hold" grpId="0" nodeType="clickEffect">
+                                  <p:stCondLst>
+                                    <p:cond delay="0"/>
+                                  </p:stCondLst>
+                                  <p:childTnLst>
+                                    <p:set>
+                                      <p:cBhvr>
+                                        <p:cTn id="21" dur="1" fill="hold">
+                                          <p:stCondLst>
+                                            <p:cond delay="0"/>
+                                          </p:stCondLst>
+                                        </p:cTn>
+                                        <p:tgtEl>
+                                          <p:spTgt spid="531">
+                                            <p:txEl>
+                                              <p:pRg st="2" end="2"/>
+                                            </p:txEl>
+                                          </p:spTgt>
+                                        </p:tgtEl>
+                                        <p:attrNameLst>
+                                          <p:attrName>style.visibility</p:attrName>
+                                        </p:attrNameLst>
+                                      </p:cBhvr>
+                                      <p:to>
+                                        <p:strVal val="visible"/>
+                                      </p:to>
+                                    </p:set>
+                                    <p:animEffect transition="in" filter="randombar(horizontal)">
+                                      <p:cBhvr>
+                                        <p:cTn id="22" dur="500"/>
+                                        <p:tgtEl>
+                                          <p:spTgt spid="531">
+                                            <p:txEl>
+                                              <p:pRg st="2" end="2"/>
+                                            </p:txEl>
+                                          </p:spTgt>
+                                        </p:tgtEl>
+                                      </p:cBhvr>
+                                    </p:animEffect>
+                                  </p:childTnLst>
+                                </p:cTn>
+                              </p:par>
+                            </p:childTnLst>
+                          </p:cTn>
+                        </p:par>
+                      </p:childTnLst>
+                    </p:cTn>
+                  </p:par>
+                  <p:par>
+                    <p:cTn id="23" fill="hold">
+                      <p:stCondLst>
+                        <p:cond delay="indefinite"/>
+                      </p:stCondLst>
+                      <p:childTnLst>
+                        <p:par>
+                          <p:cTn id="24" fill="hold">
+                            <p:stCondLst>
+                              <p:cond delay="0"/>
+                            </p:stCondLst>
+                            <p:childTnLst>
+                              <p:par>
+                                <p:cTn id="25" presetID="14" presetClass="entr" presetSubtype="10" fill="hold" grpId="0" nodeType="clickEffect">
+                                  <p:stCondLst>
+                                    <p:cond delay="0"/>
+                                  </p:stCondLst>
+                                  <p:childTnLst>
+                                    <p:set>
+                                      <p:cBhvr>
+                                        <p:cTn id="26" dur="1" fill="hold">
+                                          <p:stCondLst>
+                                            <p:cond delay="0"/>
+                                          </p:stCondLst>
+                                        </p:cTn>
+                                        <p:tgtEl>
+                                          <p:spTgt spid="531">
+                                            <p:txEl>
+                                              <p:pRg st="3" end="3"/>
+                                            </p:txEl>
+                                          </p:spTgt>
+                                        </p:tgtEl>
+                                        <p:attrNameLst>
+                                          <p:attrName>style.visibility</p:attrName>
+                                        </p:attrNameLst>
+                                      </p:cBhvr>
+                                      <p:to>
+                                        <p:strVal val="visible"/>
+                                      </p:to>
+                                    </p:set>
+                                    <p:animEffect transition="in" filter="randombar(horizontal)">
+                                      <p:cBhvr>
+                                        <p:cTn id="27" dur="500"/>
+                                        <p:tgtEl>
+                                          <p:spTgt spid="531">
+                                            <p:txEl>
+                                              <p:pRg st="3" end="3"/>
+                                            </p:txEl>
+                                          </p:spTgt>
+                                        </p:tgtEl>
+                                      </p:cBhvr>
+                                    </p:animEffect>
+                                  </p:childTnLst>
+                                </p:cTn>
+                              </p:par>
+                            </p:childTnLst>
+                          </p:cTn>
+                        </p:par>
+                      </p:childTnLst>
+                    </p:cTn>
+                  </p:par>
+                </p:childTnLst>
+              </p:cTn>
+              <p:prevCondLst>
+                <p:cond evt="onPrev" delay="0">
+                  <p:tgtEl>
+                    <p:sldTgt/>
+                  </p:tgtEl>
+                </p:cond>
+              </p:prevCondLst>
+              <p:nextCondLst>
+                <p:cond evt="onNext" delay="0">
+                  <p:tgtEl>
+                    <p:sldTgt/>
+                  </p:tgtEl>
+                </p:cond>
+              </p:nextCondLst>
+            </p:seq>
+          </p:childTnLst>
+        </p:cTn>
+      </p:par>
+    </p:tnLst>
+    <p:bldLst>
+      <p:bldP spid="531" grpId="0" build="p"/>
+    </p:bldLst>
+  </p:timing>
 </p:sld>
 </file>
 
@@ -14368,6 +16142,253 @@
   <p:clrMapOvr>
     <a:masterClrMapping/>
   </p:clrMapOvr>
+  <mc:AlternateContent xmlns:mc="http://schemas.openxmlformats.org/markup-compatibility/2006">
+    <mc:Choice xmlns:p15="http://schemas.microsoft.com/office/powerpoint/2012/main" Requires="p15">
+      <p:transition xmlns:p14="http://schemas.microsoft.com/office/powerpoint/2010/main" spd="slow" p14:dur="1250">
+        <p15:prstTrans prst="pageCurlDouble"/>
+      </p:transition>
+    </mc:Choice>
+    <mc:Fallback>
+      <p:transition spd="slow">
+        <p:fade/>
+      </p:transition>
+    </mc:Fallback>
+  </mc:AlternateContent>
+  <p:timing>
+    <p:tnLst>
+      <p:par>
+        <p:cTn id="1" dur="indefinite" restart="never" nodeType="tmRoot">
+          <p:childTnLst>
+            <p:seq concurrent="1" nextAc="seek">
+              <p:cTn id="2" dur="indefinite" nodeType="mainSeq">
+                <p:childTnLst>
+                  <p:par>
+                    <p:cTn id="3" fill="hold">
+                      <p:stCondLst>
+                        <p:cond delay="indefinite"/>
+                      </p:stCondLst>
+                      <p:childTnLst>
+                        <p:par>
+                          <p:cTn id="4" fill="hold">
+                            <p:stCondLst>
+                              <p:cond delay="0"/>
+                            </p:stCondLst>
+                            <p:childTnLst>
+                              <p:par>
+                                <p:cTn id="5" presetID="10" presetClass="entr" presetSubtype="0" fill="hold" nodeType="clickEffect">
+                                  <p:stCondLst>
+                                    <p:cond delay="0"/>
+                                  </p:stCondLst>
+                                  <p:childTnLst>
+                                    <p:set>
+                                      <p:cBhvr>
+                                        <p:cTn id="6" dur="1" fill="hold">
+                                          <p:stCondLst>
+                                            <p:cond delay="0"/>
+                                          </p:stCondLst>
+                                        </p:cTn>
+                                        <p:tgtEl>
+                                          <p:spTgt spid="3"/>
+                                        </p:tgtEl>
+                                        <p:attrNameLst>
+                                          <p:attrName>style.visibility</p:attrName>
+                                        </p:attrNameLst>
+                                      </p:cBhvr>
+                                      <p:to>
+                                        <p:strVal val="visible"/>
+                                      </p:to>
+                                    </p:set>
+                                    <p:animEffect transition="in" filter="fade">
+                                      <p:cBhvr>
+                                        <p:cTn id="7" dur="500"/>
+                                        <p:tgtEl>
+                                          <p:spTgt spid="3"/>
+                                        </p:tgtEl>
+                                      </p:cBhvr>
+                                    </p:animEffect>
+                                  </p:childTnLst>
+                                </p:cTn>
+                              </p:par>
+                            </p:childTnLst>
+                          </p:cTn>
+                        </p:par>
+                      </p:childTnLst>
+                    </p:cTn>
+                  </p:par>
+                  <p:par>
+                    <p:cTn id="8" fill="hold">
+                      <p:stCondLst>
+                        <p:cond delay="indefinite"/>
+                      </p:stCondLst>
+                      <p:childTnLst>
+                        <p:par>
+                          <p:cTn id="9" fill="hold">
+                            <p:stCondLst>
+                              <p:cond delay="0"/>
+                            </p:stCondLst>
+                            <p:childTnLst>
+                              <p:par>
+                                <p:cTn id="10" presetID="42" presetClass="entr" presetSubtype="0" fill="hold" nodeType="clickEffect">
+                                  <p:stCondLst>
+                                    <p:cond delay="0"/>
+                                  </p:stCondLst>
+                                  <p:childTnLst>
+                                    <p:set>
+                                      <p:cBhvr>
+                                        <p:cTn id="11" dur="1" fill="hold">
+                                          <p:stCondLst>
+                                            <p:cond delay="0"/>
+                                          </p:stCondLst>
+                                        </p:cTn>
+                                        <p:tgtEl>
+                                          <p:spTgt spid="6"/>
+                                        </p:tgtEl>
+                                        <p:attrNameLst>
+                                          <p:attrName>style.visibility</p:attrName>
+                                        </p:attrNameLst>
+                                      </p:cBhvr>
+                                      <p:to>
+                                        <p:strVal val="visible"/>
+                                      </p:to>
+                                    </p:set>
+                                    <p:animEffect transition="in" filter="fade">
+                                      <p:cBhvr>
+                                        <p:cTn id="12" dur="1000"/>
+                                        <p:tgtEl>
+                                          <p:spTgt spid="6"/>
+                                        </p:tgtEl>
+                                      </p:cBhvr>
+                                    </p:animEffect>
+                                    <p:anim calcmode="lin" valueType="num">
+                                      <p:cBhvr>
+                                        <p:cTn id="13" dur="1000" fill="hold"/>
+                                        <p:tgtEl>
+                                          <p:spTgt spid="6"/>
+                                        </p:tgtEl>
+                                        <p:attrNameLst>
+                                          <p:attrName>ppt_x</p:attrName>
+                                        </p:attrNameLst>
+                                      </p:cBhvr>
+                                      <p:tavLst>
+                                        <p:tav tm="0">
+                                          <p:val>
+                                            <p:strVal val="#ppt_x"/>
+                                          </p:val>
+                                        </p:tav>
+                                        <p:tav tm="100000">
+                                          <p:val>
+                                            <p:strVal val="#ppt_x"/>
+                                          </p:val>
+                                        </p:tav>
+                                      </p:tavLst>
+                                    </p:anim>
+                                    <p:anim calcmode="lin" valueType="num">
+                                      <p:cBhvr>
+                                        <p:cTn id="14" dur="1000" fill="hold"/>
+                                        <p:tgtEl>
+                                          <p:spTgt spid="6"/>
+                                        </p:tgtEl>
+                                        <p:attrNameLst>
+                                          <p:attrName>ppt_y</p:attrName>
+                                        </p:attrNameLst>
+                                      </p:cBhvr>
+                                      <p:tavLst>
+                                        <p:tav tm="0">
+                                          <p:val>
+                                            <p:strVal val="#ppt_y+.1"/>
+                                          </p:val>
+                                        </p:tav>
+                                        <p:tav tm="100000">
+                                          <p:val>
+                                            <p:strVal val="#ppt_y"/>
+                                          </p:val>
+                                        </p:tav>
+                                      </p:tavLst>
+                                    </p:anim>
+                                  </p:childTnLst>
+                                </p:cTn>
+                              </p:par>
+                            </p:childTnLst>
+                          </p:cTn>
+                        </p:par>
+                      </p:childTnLst>
+                    </p:cTn>
+                  </p:par>
+                  <p:par>
+                    <p:cTn id="15" fill="hold">
+                      <p:stCondLst>
+                        <p:cond delay="indefinite"/>
+                      </p:stCondLst>
+                      <p:childTnLst>
+                        <p:par>
+                          <p:cTn id="16" fill="hold">
+                            <p:stCondLst>
+                              <p:cond delay="0"/>
+                            </p:stCondLst>
+                            <p:childTnLst>
+                              <p:par>
+                                <p:cTn id="17" presetID="10" presetClass="entr" presetSubtype="0" fill="hold" nodeType="clickEffect">
+                                  <p:stCondLst>
+                                    <p:cond delay="0"/>
+                                  </p:stCondLst>
+                                  <p:childTnLst>
+                                    <p:set>
+                                      <p:cBhvr>
+                                        <p:cTn id="18" dur="1" fill="hold">
+                                          <p:stCondLst>
+                                            <p:cond delay="0"/>
+                                          </p:stCondLst>
+                                        </p:cTn>
+                                        <p:tgtEl>
+                                          <p:spTgt spid="7"/>
+                                        </p:tgtEl>
+                                        <p:attrNameLst>
+                                          <p:attrName>style.visibility</p:attrName>
+                                        </p:attrNameLst>
+                                      </p:cBhvr>
+                                      <p:to>
+                                        <p:strVal val="visible"/>
+                                      </p:to>
+                                    </p:set>
+                                    <p:animEffect transition="in" filter="fade">
+                                      <p:cBhvr>
+                                        <p:cTn id="19" dur="500"/>
+                                        <p:tgtEl>
+                                          <p:spTgt spid="7"/>
+                                        </p:tgtEl>
+                                      </p:cBhvr>
+                                    </p:animEffect>
+                                  </p:childTnLst>
+                                </p:cTn>
+                              </p:par>
+                            </p:childTnLst>
+                          </p:cTn>
+                        </p:par>
+                      </p:childTnLst>
+                    </p:cTn>
+                  </p:par>
+                </p:childTnLst>
+              </p:cTn>
+              <p:prevCondLst>
+                <p:cond evt="onPrev" delay="0">
+                  <p:tgtEl>
+                    <p:sldTgt/>
+                  </p:tgtEl>
+                </p:cond>
+              </p:prevCondLst>
+              <p:nextCondLst>
+                <p:cond evt="onNext" delay="0">
+                  <p:tgtEl>
+                    <p:sldTgt/>
+                  </p:tgtEl>
+                </p:cond>
+              </p:nextCondLst>
+            </p:seq>
+          </p:childTnLst>
+        </p:cTn>
+      </p:par>
+    </p:tnLst>
+  </p:timing>
 </p:sld>
 </file>
 
@@ -14486,6 +16507,9 @@
   <p:clrMapOvr>
     <a:masterClrMapping/>
   </p:clrMapOvr>
+  <p:transition spd="slow">
+    <p:push dir="u"/>
+  </p:transition>
 </p:sld>
 </file>
 
@@ -14635,6 +16659,84 @@
   <p:clrMapOvr>
     <a:masterClrMapping/>
   </p:clrMapOvr>
+  <p:transition spd="slow">
+    <p:push dir="u"/>
+  </p:transition>
+  <p:timing>
+    <p:tnLst>
+      <p:par>
+        <p:cTn id="1" dur="indefinite" restart="never" nodeType="tmRoot">
+          <p:childTnLst>
+            <p:seq concurrent="1" nextAc="seek">
+              <p:cTn id="2" dur="indefinite" nodeType="mainSeq">
+                <p:childTnLst>
+                  <p:par>
+                    <p:cTn id="3" fill="hold">
+                      <p:stCondLst>
+                        <p:cond delay="indefinite"/>
+                      </p:stCondLst>
+                      <p:childTnLst>
+                        <p:par>
+                          <p:cTn id="4" fill="hold">
+                            <p:stCondLst>
+                              <p:cond delay="0"/>
+                            </p:stCondLst>
+                            <p:childTnLst>
+                              <p:par>
+                                <p:cTn id="5" presetID="1" presetClass="entr" presetSubtype="0" fill="hold" nodeType="clickEffect">
+                                  <p:stCondLst>
+                                    <p:cond delay="0"/>
+                                  </p:stCondLst>
+                                  <p:childTnLst>
+                                    <p:set>
+                                      <p:cBhvr>
+                                        <p:cTn id="6" dur="1" fill="hold">
+                                          <p:stCondLst>
+                                            <p:cond delay="0"/>
+                                          </p:stCondLst>
+                                        </p:cTn>
+                                        <p:tgtEl>
+                                          <p:spTgt spid="64"/>
+                                        </p:tgtEl>
+                                        <p:attrNameLst>
+                                          <p:attrName>style.visibility</p:attrName>
+                                        </p:attrNameLst>
+                                      </p:cBhvr>
+                                      <p:to>
+                                        <p:strVal val="visible"/>
+                                      </p:to>
+                                    </p:set>
+                                  </p:childTnLst>
+                                </p:cTn>
+                              </p:par>
+                            </p:childTnLst>
+                          </p:cTn>
+                        </p:par>
+                      </p:childTnLst>
+                    </p:cTn>
+                  </p:par>
+                </p:childTnLst>
+              </p:cTn>
+              <p:prevCondLst>
+                <p:cond evt="onPrev" delay="0">
+                  <p:tgtEl>
+                    <p:sldTgt/>
+                  </p:tgtEl>
+                </p:cond>
+              </p:prevCondLst>
+              <p:nextCondLst>
+                <p:cond evt="onNext" delay="0">
+                  <p:tgtEl>
+                    <p:sldTgt/>
+                  </p:tgtEl>
+                </p:cond>
+              </p:nextCondLst>
+            </p:seq>
+          </p:childTnLst>
+        </p:cTn>
+      </p:par>
+    </p:tnLst>
+  </p:timing>
 </p:sld>
 </file>
 
@@ -14890,6 +16992,282 @@
   <p:clrMapOvr>
     <a:masterClrMapping/>
   </p:clrMapOvr>
+  <p:transition spd="slow">
+    <p:randomBar dir="vert"/>
+  </p:transition>
+  <p:timing>
+    <p:tnLst>
+      <p:par>
+        <p:cTn id="1" dur="indefinite" restart="never" nodeType="tmRoot">
+          <p:childTnLst>
+            <p:seq concurrent="1" nextAc="seek">
+              <p:cTn id="2" dur="indefinite" nodeType="mainSeq">
+                <p:childTnLst>
+                  <p:par>
+                    <p:cTn id="3" fill="hold">
+                      <p:stCondLst>
+                        <p:cond delay="indefinite"/>
+                      </p:stCondLst>
+                      <p:childTnLst>
+                        <p:par>
+                          <p:cTn id="4" fill="hold">
+                            <p:stCondLst>
+                              <p:cond delay="0"/>
+                            </p:stCondLst>
+                            <p:childTnLst>
+                              <p:par>
+                                <p:cTn id="5" presetID="22" presetClass="entr" presetSubtype="4" fill="hold" nodeType="clickEffect">
+                                  <p:stCondLst>
+                                    <p:cond delay="0"/>
+                                  </p:stCondLst>
+                                  <p:childTnLst>
+                                    <p:set>
+                                      <p:cBhvr>
+                                        <p:cTn id="6" dur="1" fill="hold">
+                                          <p:stCondLst>
+                                            <p:cond delay="0"/>
+                                          </p:stCondLst>
+                                        </p:cTn>
+                                        <p:tgtEl>
+                                          <p:spTgt spid="10"/>
+                                        </p:tgtEl>
+                                        <p:attrNameLst>
+                                          <p:attrName>style.visibility</p:attrName>
+                                        </p:attrNameLst>
+                                      </p:cBhvr>
+                                      <p:to>
+                                        <p:strVal val="visible"/>
+                                      </p:to>
+                                    </p:set>
+                                    <p:animEffect transition="in" filter="wipe(down)">
+                                      <p:cBhvr>
+                                        <p:cTn id="7" dur="500"/>
+                                        <p:tgtEl>
+                                          <p:spTgt spid="10"/>
+                                        </p:tgtEl>
+                                      </p:cBhvr>
+                                    </p:animEffect>
+                                  </p:childTnLst>
+                                </p:cTn>
+                              </p:par>
+                            </p:childTnLst>
+                          </p:cTn>
+                        </p:par>
+                      </p:childTnLst>
+                    </p:cTn>
+                  </p:par>
+                  <p:par>
+                    <p:cTn id="8" fill="hold">
+                      <p:stCondLst>
+                        <p:cond delay="indefinite"/>
+                      </p:stCondLst>
+                      <p:childTnLst>
+                        <p:par>
+                          <p:cTn id="9" fill="hold">
+                            <p:stCondLst>
+                              <p:cond delay="0"/>
+                            </p:stCondLst>
+                            <p:childTnLst>
+                              <p:par>
+                                <p:cTn id="10" presetID="2" presetClass="entr" presetSubtype="4" fill="hold" nodeType="clickEffect">
+                                  <p:stCondLst>
+                                    <p:cond delay="0"/>
+                                  </p:stCondLst>
+                                  <p:childTnLst>
+                                    <p:set>
+                                      <p:cBhvr>
+                                        <p:cTn id="11" dur="1" fill="hold">
+                                          <p:stCondLst>
+                                            <p:cond delay="0"/>
+                                          </p:stCondLst>
+                                        </p:cTn>
+                                        <p:tgtEl>
+                                          <p:spTgt spid="12"/>
+                                        </p:tgtEl>
+                                        <p:attrNameLst>
+                                          <p:attrName>style.visibility</p:attrName>
+                                        </p:attrNameLst>
+                                      </p:cBhvr>
+                                      <p:to>
+                                        <p:strVal val="visible"/>
+                                      </p:to>
+                                    </p:set>
+                                    <p:anim calcmode="lin" valueType="num">
+                                      <p:cBhvr additive="base">
+                                        <p:cTn id="12" dur="500" fill="hold"/>
+                                        <p:tgtEl>
+                                          <p:spTgt spid="12"/>
+                                        </p:tgtEl>
+                                        <p:attrNameLst>
+                                          <p:attrName>ppt_x</p:attrName>
+                                        </p:attrNameLst>
+                                      </p:cBhvr>
+                                      <p:tavLst>
+                                        <p:tav tm="0">
+                                          <p:val>
+                                            <p:strVal val="#ppt_x"/>
+                                          </p:val>
+                                        </p:tav>
+                                        <p:tav tm="100000">
+                                          <p:val>
+                                            <p:strVal val="#ppt_x"/>
+                                          </p:val>
+                                        </p:tav>
+                                      </p:tavLst>
+                                    </p:anim>
+                                    <p:anim calcmode="lin" valueType="num">
+                                      <p:cBhvr additive="base">
+                                        <p:cTn id="13" dur="500" fill="hold"/>
+                                        <p:tgtEl>
+                                          <p:spTgt spid="12"/>
+                                        </p:tgtEl>
+                                        <p:attrNameLst>
+                                          <p:attrName>ppt_y</p:attrName>
+                                        </p:attrNameLst>
+                                      </p:cBhvr>
+                                      <p:tavLst>
+                                        <p:tav tm="0">
+                                          <p:val>
+                                            <p:strVal val="1+#ppt_h/2"/>
+                                          </p:val>
+                                        </p:tav>
+                                        <p:tav tm="100000">
+                                          <p:val>
+                                            <p:strVal val="#ppt_y"/>
+                                          </p:val>
+                                        </p:tav>
+                                      </p:tavLst>
+                                    </p:anim>
+                                  </p:childTnLst>
+                                </p:cTn>
+                              </p:par>
+                            </p:childTnLst>
+                          </p:cTn>
+                        </p:par>
+                      </p:childTnLst>
+                    </p:cTn>
+                  </p:par>
+                  <p:par>
+                    <p:cTn id="14" fill="hold">
+                      <p:stCondLst>
+                        <p:cond delay="indefinite"/>
+                      </p:stCondLst>
+                      <p:childTnLst>
+                        <p:par>
+                          <p:cTn id="15" fill="hold">
+                            <p:stCondLst>
+                              <p:cond delay="0"/>
+                            </p:stCondLst>
+                            <p:childTnLst>
+                              <p:par>
+                                <p:cTn id="16" presetID="42" presetClass="entr" presetSubtype="0" fill="hold" nodeType="clickEffect">
+                                  <p:stCondLst>
+                                    <p:cond delay="0"/>
+                                  </p:stCondLst>
+                                  <p:childTnLst>
+                                    <p:set>
+                                      <p:cBhvr>
+                                        <p:cTn id="17" dur="1" fill="hold">
+                                          <p:stCondLst>
+                                            <p:cond delay="0"/>
+                                          </p:stCondLst>
+                                        </p:cTn>
+                                        <p:tgtEl>
+                                          <p:spTgt spid="11"/>
+                                        </p:tgtEl>
+                                        <p:attrNameLst>
+                                          <p:attrName>style.visibility</p:attrName>
+                                        </p:attrNameLst>
+                                      </p:cBhvr>
+                                      <p:to>
+                                        <p:strVal val="visible"/>
+                                      </p:to>
+                                    </p:set>
+                                    <p:animEffect transition="in" filter="fade">
+                                      <p:cBhvr>
+                                        <p:cTn id="18" dur="1000"/>
+                                        <p:tgtEl>
+                                          <p:spTgt spid="11"/>
+                                        </p:tgtEl>
+                                      </p:cBhvr>
+                                    </p:animEffect>
+                                    <p:anim calcmode="lin" valueType="num">
+                                      <p:cBhvr>
+                                        <p:cTn id="19" dur="1000" fill="hold"/>
+                                        <p:tgtEl>
+                                          <p:spTgt spid="11"/>
+                                        </p:tgtEl>
+                                        <p:attrNameLst>
+                                          <p:attrName>ppt_x</p:attrName>
+                                        </p:attrNameLst>
+                                      </p:cBhvr>
+                                      <p:tavLst>
+                                        <p:tav tm="0">
+                                          <p:val>
+                                            <p:strVal val="#ppt_x"/>
+                                          </p:val>
+                                        </p:tav>
+                                        <p:tav tm="100000">
+                                          <p:val>
+                                            <p:strVal val="#ppt_x"/>
+                                          </p:val>
+                                        </p:tav>
+                                      </p:tavLst>
+                                    </p:anim>
+                                    <p:anim calcmode="lin" valueType="num">
+                                      <p:cBhvr>
+                                        <p:cTn id="20" dur="1000" fill="hold"/>
+                                        <p:tgtEl>
+                                          <p:spTgt spid="11"/>
+                                        </p:tgtEl>
+                                        <p:attrNameLst>
+                                          <p:attrName>ppt_y</p:attrName>
+                                        </p:attrNameLst>
+                                      </p:cBhvr>
+                                      <p:tavLst>
+                                        <p:tav tm="0">
+                                          <p:val>
+                                            <p:strVal val="#ppt_y+.1"/>
+                                          </p:val>
+                                        </p:tav>
+                                        <p:tav tm="100000">
+                                          <p:val>
+                                            <p:strVal val="#ppt_y"/>
+                                          </p:val>
+                                        </p:tav>
+                                      </p:tavLst>
+                                    </p:anim>
+                                  </p:childTnLst>
+                                </p:cTn>
+                              </p:par>
+                            </p:childTnLst>
+                          </p:cTn>
+                        </p:par>
+                      </p:childTnLst>
+                    </p:cTn>
+                  </p:par>
+                </p:childTnLst>
+              </p:cTn>
+              <p:prevCondLst>
+                <p:cond evt="onPrev" delay="0">
+                  <p:tgtEl>
+                    <p:sldTgt/>
+                  </p:tgtEl>
+                </p:cond>
+              </p:prevCondLst>
+              <p:nextCondLst>
+                <p:cond evt="onNext" delay="0">
+                  <p:tgtEl>
+                    <p:sldTgt/>
+                  </p:tgtEl>
+                </p:cond>
+              </p:nextCondLst>
+            </p:seq>
+          </p:childTnLst>
+        </p:cTn>
+      </p:par>
+    </p:tnLst>
+  </p:timing>
 </p:sld>
 </file>
 
